--- a/documentation/Dusza Klaszter.pptx
+++ b/documentation/Dusza Klaszter.pptx
@@ -5,24 +5,25 @@
     <p:sldMasterId id="2147483678" r:id="rId1"/>
   </p:sldMasterIdLst>
   <p:notesMasterIdLst>
-    <p:notesMasterId r:id="rId17"/>
+    <p:notesMasterId r:id="rId18"/>
   </p:notesMasterIdLst>
   <p:sldIdLst>
     <p:sldId id="256" r:id="rId2"/>
-    <p:sldId id="260" r:id="rId3"/>
-    <p:sldId id="271" r:id="rId4"/>
-    <p:sldId id="272" r:id="rId5"/>
-    <p:sldId id="274" r:id="rId6"/>
-    <p:sldId id="258" r:id="rId7"/>
-    <p:sldId id="259" r:id="rId8"/>
-    <p:sldId id="261" r:id="rId9"/>
-    <p:sldId id="263" r:id="rId10"/>
-    <p:sldId id="265" r:id="rId11"/>
-    <p:sldId id="270" r:id="rId12"/>
-    <p:sldId id="269" r:id="rId13"/>
-    <p:sldId id="266" r:id="rId14"/>
-    <p:sldId id="267" r:id="rId15"/>
-    <p:sldId id="268" r:id="rId16"/>
+    <p:sldId id="275" r:id="rId3"/>
+    <p:sldId id="260" r:id="rId4"/>
+    <p:sldId id="271" r:id="rId5"/>
+    <p:sldId id="272" r:id="rId6"/>
+    <p:sldId id="274" r:id="rId7"/>
+    <p:sldId id="258" r:id="rId8"/>
+    <p:sldId id="259" r:id="rId9"/>
+    <p:sldId id="261" r:id="rId10"/>
+    <p:sldId id="263" r:id="rId11"/>
+    <p:sldId id="265" r:id="rId12"/>
+    <p:sldId id="270" r:id="rId13"/>
+    <p:sldId id="269" r:id="rId14"/>
+    <p:sldId id="266" r:id="rId15"/>
+    <p:sldId id="267" r:id="rId16"/>
+    <p:sldId id="268" r:id="rId17"/>
   </p:sldIdLst>
   <p:sldSz cx="12192000" cy="6858000"/>
   <p:notesSz cx="6858000" cy="9144000"/>
@@ -19276,6 +19277,114 @@
   <p:cSld>
     <p:spTree>
       <p:nvGrpSpPr>
+        <p:cNvPr id="1" name="">
+          <a:extLst>
+            <a:ext uri="{FF2B5EF4-FFF2-40B4-BE49-F238E27FC236}">
+              <a16:creationId xmlns:a16="http://schemas.microsoft.com/office/drawing/2014/main" id="{983A9965-08C4-06BB-8A7D-E93D5E1BFC6F}"/>
+            </a:ext>
+          </a:extLst>
+        </p:cNvPr>
+        <p:cNvGrpSpPr/>
+        <p:nvPr/>
+      </p:nvGrpSpPr>
+      <p:grpSpPr>
+        <a:xfrm>
+          <a:off x="0" y="0"/>
+          <a:ext cx="0" cy="0"/>
+          <a:chOff x="0" y="0"/>
+          <a:chExt cx="0" cy="0"/>
+        </a:xfrm>
+      </p:grpSpPr>
+      <p:sp>
+        <p:nvSpPr>
+          <p:cNvPr id="2" name="Folienbildplatzhalter 1">
+            <a:extLst>
+              <a:ext uri="{FF2B5EF4-FFF2-40B4-BE49-F238E27FC236}">
+                <a16:creationId xmlns:a16="http://schemas.microsoft.com/office/drawing/2014/main" id="{0C51849E-096A-DD0F-2C28-399AB9F30A0C}"/>
+              </a:ext>
+            </a:extLst>
+          </p:cNvPr>
+          <p:cNvSpPr>
+            <a:spLocks noGrp="1" noRot="1" noChangeAspect="1"/>
+          </p:cNvSpPr>
+          <p:nvPr>
+            <p:ph type="sldImg"/>
+          </p:nvPr>
+        </p:nvSpPr>
+        <p:spPr/>
+      </p:sp>
+      <p:sp>
+        <p:nvSpPr>
+          <p:cNvPr id="3" name="Notizenplatzhalter 2">
+            <a:extLst>
+              <a:ext uri="{FF2B5EF4-FFF2-40B4-BE49-F238E27FC236}">
+                <a16:creationId xmlns:a16="http://schemas.microsoft.com/office/drawing/2014/main" id="{16CA89CE-1A21-1533-0AB4-9472583F9E44}"/>
+              </a:ext>
+            </a:extLst>
+          </p:cNvPr>
+          <p:cNvSpPr>
+            <a:spLocks noGrp="1"/>
+          </p:cNvSpPr>
+          <p:nvPr>
+            <p:ph type="body" idx="1"/>
+          </p:nvPr>
+        </p:nvSpPr>
+        <p:spPr/>
+        <p:txBody>
+          <a:bodyPr/>
+          <a:lstStyle/>
+          <a:p>
+            <a:endParaRPr lang="de-DE" dirty="0"/>
+          </a:p>
+        </p:txBody>
+      </p:sp>
+      <p:sp>
+        <p:nvSpPr>
+          <p:cNvPr id="4" name="Foliennummernplatzhalter 3">
+            <a:extLst>
+              <a:ext uri="{FF2B5EF4-FFF2-40B4-BE49-F238E27FC236}">
+                <a16:creationId xmlns:a16="http://schemas.microsoft.com/office/drawing/2014/main" id="{C42E7609-F54D-FADC-EC64-E4DC96B42B2B}"/>
+              </a:ext>
+            </a:extLst>
+          </p:cNvPr>
+          <p:cNvSpPr>
+            <a:spLocks noGrp="1"/>
+          </p:cNvSpPr>
+          <p:nvPr>
+            <p:ph type="sldNum" sz="quarter" idx="5"/>
+          </p:nvPr>
+        </p:nvSpPr>
+        <p:spPr/>
+        <p:txBody>
+          <a:bodyPr/>
+          <a:lstStyle/>
+          <a:p>
+            <a:fld id="{4AA7788F-8CF2-4A79-8E71-0DFC4FE9C287}" type="slidenum">
+              <a:rPr lang="de-DE" smtClean="0"/>
+              <a:t>2</a:t>
+            </a:fld>
+            <a:endParaRPr lang="de-DE"/>
+          </a:p>
+        </p:txBody>
+      </p:sp>
+    </p:spTree>
+    <p:extLst>
+      <p:ext uri="{BB962C8B-B14F-4D97-AF65-F5344CB8AC3E}">
+        <p14:creationId xmlns:p14="http://schemas.microsoft.com/office/powerpoint/2010/main" val="2240190347"/>
+      </p:ext>
+    </p:extLst>
+  </p:cSld>
+  <p:clrMapOvr>
+    <a:masterClrMapping/>
+  </p:clrMapOvr>
+</p:notes>
+</file>
+
+<file path=ppt/notesSlides/notesSlide3.xml><?xml version="1.0" encoding="utf-8"?>
+<p:notes xmlns:a="http://schemas.openxmlformats.org/drawingml/2006/main" xmlns:r="http://schemas.openxmlformats.org/officeDocument/2006/relationships" xmlns:p="http://schemas.openxmlformats.org/presentationml/2006/main">
+  <p:cSld>
+    <p:spTree>
+      <p:nvGrpSpPr>
         <p:cNvPr id="1" name=""/>
         <p:cNvGrpSpPr/>
         <p:nvPr/>
@@ -19336,7 +19445,7 @@
           <a:p>
             <a:fld id="{4AA7788F-8CF2-4A79-8E71-0DFC4FE9C287}" type="slidenum">
               <a:rPr lang="de-DE" smtClean="0"/>
-              <a:t>12</a:t>
+              <a:t>13</a:t>
             </a:fld>
             <a:endParaRPr lang="de-DE"/>
           </a:p>
@@ -23622,7 +23731,7 @@
         </p:nvSpPr>
         <p:spPr>
           <a:xfrm>
-            <a:off x="10005863" y="0"/>
+            <a:off x="9648511" y="355895"/>
             <a:ext cx="2186137" cy="2186137"/>
           </a:xfrm>
           <a:prstGeom prst="rect">
@@ -23684,6 +23793,111 @@
 </file>
 
 <file path=ppt/slides/slide10.xml><?xml version="1.0" encoding="utf-8"?>
+<p:sld xmlns:a="http://schemas.openxmlformats.org/drawingml/2006/main" xmlns:r="http://schemas.openxmlformats.org/officeDocument/2006/relationships" xmlns:p="http://schemas.openxmlformats.org/presentationml/2006/main">
+  <p:cSld>
+    <p:bg>
+      <p:bgPr>
+        <a:solidFill>
+          <a:schemeClr val="bg1"/>
+        </a:solidFill>
+        <a:effectLst/>
+      </p:bgPr>
+    </p:bg>
+    <p:spTree>
+      <p:nvGrpSpPr>
+        <p:cNvPr id="1" name=""/>
+        <p:cNvGrpSpPr/>
+        <p:nvPr/>
+      </p:nvGrpSpPr>
+      <p:grpSpPr>
+        <a:xfrm>
+          <a:off x="0" y="0"/>
+          <a:ext cx="0" cy="0"/>
+          <a:chOff x="0" y="0"/>
+          <a:chExt cx="0" cy="0"/>
+        </a:xfrm>
+      </p:grpSpPr>
+      <p:sp>
+        <p:nvSpPr>
+          <p:cNvPr id="2" name="Titel 1">
+            <a:extLst>
+              <a:ext uri="{FF2B5EF4-FFF2-40B4-BE49-F238E27FC236}">
+                <a16:creationId xmlns:a16="http://schemas.microsoft.com/office/drawing/2014/main" id="{6E9E7F25-1C4E-2950-BC6A-18BB6FB80871}"/>
+              </a:ext>
+            </a:extLst>
+          </p:cNvPr>
+          <p:cNvSpPr>
+            <a:spLocks noGrp="1"/>
+          </p:cNvSpPr>
+          <p:nvPr>
+            <p:ph type="title"/>
+          </p:nvPr>
+        </p:nvSpPr>
+        <p:spPr>
+          <a:xfrm>
+            <a:off x="1097280" y="286603"/>
+            <a:ext cx="10058400" cy="1450757"/>
+          </a:xfrm>
+        </p:spPr>
+        <p:txBody>
+          <a:bodyPr>
+            <a:normAutofit/>
+          </a:bodyPr>
+          <a:lstStyle/>
+          <a:p>
+            <a:r>
+              <a:rPr lang="hu-HU" dirty="0"/>
+              <a:t>Feladatkörök – Géczi Kornél</a:t>
+            </a:r>
+            <a:endParaRPr lang="de-DE" dirty="0"/>
+          </a:p>
+        </p:txBody>
+      </p:sp>
+      <p:graphicFrame>
+        <p:nvGraphicFramePr>
+          <p:cNvPr id="6" name="Inhaltsplatzhalter 2">
+            <a:extLst>
+              <a:ext uri="{FF2B5EF4-FFF2-40B4-BE49-F238E27FC236}">
+                <a16:creationId xmlns:a16="http://schemas.microsoft.com/office/drawing/2014/main" id="{415AFB33-AAFB-27BE-0CF1-589E80F6BBC8}"/>
+              </a:ext>
+            </a:extLst>
+          </p:cNvPr>
+          <p:cNvGraphicFramePr>
+            <a:graphicFrameLocks noGrp="1"/>
+          </p:cNvGraphicFramePr>
+          <p:nvPr>
+            <p:ph idx="1"/>
+            <p:extLst>
+              <p:ext uri="{D42A27DB-BD31-4B8C-83A1-F6EECF244321}">
+                <p14:modId xmlns:p14="http://schemas.microsoft.com/office/powerpoint/2010/main" val="1599314602"/>
+              </p:ext>
+            </p:extLst>
+          </p:nvPr>
+        </p:nvGraphicFramePr>
+        <p:xfrm>
+          <a:off x="1096963" y="2098515"/>
+          <a:ext cx="10058400" cy="3786080"/>
+        </p:xfrm>
+        <a:graphic>
+          <a:graphicData uri="http://schemas.openxmlformats.org/drawingml/2006/diagram">
+            <dgm:relIds xmlns:dgm="http://schemas.openxmlformats.org/drawingml/2006/diagram" xmlns:r="http://schemas.openxmlformats.org/officeDocument/2006/relationships" r:dm="rId2" r:lo="rId3" r:qs="rId4" r:cs="rId5"/>
+          </a:graphicData>
+        </a:graphic>
+      </p:graphicFrame>
+    </p:spTree>
+    <p:extLst>
+      <p:ext uri="{BB962C8B-B14F-4D97-AF65-F5344CB8AC3E}">
+        <p14:creationId xmlns:p14="http://schemas.microsoft.com/office/powerpoint/2010/main" val="3459711394"/>
+      </p:ext>
+    </p:extLst>
+  </p:cSld>
+  <p:clrMapOvr>
+    <a:masterClrMapping/>
+  </p:clrMapOvr>
+</p:sld>
+</file>
+
+<file path=ppt/slides/slide11.xml><?xml version="1.0" encoding="utf-8"?>
 <p:sld xmlns:a="http://schemas.openxmlformats.org/drawingml/2006/main" xmlns:r="http://schemas.openxmlformats.org/officeDocument/2006/relationships" xmlns:p="http://schemas.openxmlformats.org/presentationml/2006/main">
   <p:cSld>
     <p:spTree>
@@ -23780,7 +23994,7 @@
 </p:sld>
 </file>
 
-<file path=ppt/slides/slide11.xml><?xml version="1.0" encoding="utf-8"?>
+<file path=ppt/slides/slide12.xml><?xml version="1.0" encoding="utf-8"?>
 <p:sld xmlns:a="http://schemas.openxmlformats.org/drawingml/2006/main" xmlns:r="http://schemas.openxmlformats.org/officeDocument/2006/relationships" xmlns:p="http://schemas.openxmlformats.org/presentationml/2006/main">
   <p:cSld>
     <p:spTree>
@@ -23883,7 +24097,7 @@
 </p:sld>
 </file>
 
-<file path=ppt/slides/slide12.xml><?xml version="1.0" encoding="utf-8"?>
+<file path=ppt/slides/slide13.xml><?xml version="1.0" encoding="utf-8"?>
 <p:sld xmlns:a="http://schemas.openxmlformats.org/drawingml/2006/main" xmlns:r="http://schemas.openxmlformats.org/officeDocument/2006/relationships" xmlns:p="http://schemas.openxmlformats.org/presentationml/2006/main">
   <p:cSld>
     <p:bg>
@@ -24591,7 +24805,7 @@
 </p:sld>
 </file>
 
-<file path=ppt/slides/slide13.xml><?xml version="1.0" encoding="utf-8"?>
+<file path=ppt/slides/slide14.xml><?xml version="1.0" encoding="utf-8"?>
 <p:sld xmlns:a="http://schemas.openxmlformats.org/drawingml/2006/main" xmlns:r="http://schemas.openxmlformats.org/officeDocument/2006/relationships" xmlns:p="http://schemas.openxmlformats.org/presentationml/2006/main">
   <p:cSld>
     <p:bg>
@@ -24928,7 +25142,7 @@
 </p:sld>
 </file>
 
-<file path=ppt/slides/slide14.xml><?xml version="1.0" encoding="utf-8"?>
+<file path=ppt/slides/slide15.xml><?xml version="1.0" encoding="utf-8"?>
 <p:sld xmlns:a="http://schemas.openxmlformats.org/drawingml/2006/main" xmlns:r="http://schemas.openxmlformats.org/officeDocument/2006/relationships" xmlns:p="http://schemas.openxmlformats.org/presentationml/2006/main">
   <p:cSld>
     <p:bg>
@@ -25303,7 +25517,7 @@
 </p:sld>
 </file>
 
-<file path=ppt/slides/slide15.xml><?xml version="1.0" encoding="utf-8"?>
+<file path=ppt/slides/slide16.xml><?xml version="1.0" encoding="utf-8"?>
 <p:sld xmlns:a="http://schemas.openxmlformats.org/drawingml/2006/main" xmlns:r="http://schemas.openxmlformats.org/officeDocument/2006/relationships" xmlns:p="http://schemas.openxmlformats.org/presentationml/2006/main">
   <p:cSld>
     <p:spTree>
@@ -25392,6 +25606,598 @@
 </file>
 
 <file path=ppt/slides/slide2.xml><?xml version="1.0" encoding="utf-8"?>
+<p:sld xmlns:a="http://schemas.openxmlformats.org/drawingml/2006/main" xmlns:r="http://schemas.openxmlformats.org/officeDocument/2006/relationships" xmlns:p="http://schemas.openxmlformats.org/presentationml/2006/main">
+  <p:cSld>
+    <p:bg>
+      <p:bgPr>
+        <a:gradFill rotWithShape="1">
+          <a:gsLst>
+            <a:gs pos="0">
+              <a:schemeClr val="bg1">
+                <a:tint val="96000"/>
+                <a:shade val="99000"/>
+                <a:satMod val="140000"/>
+              </a:schemeClr>
+            </a:gs>
+            <a:gs pos="65000">
+              <a:schemeClr val="bg1">
+                <a:tint val="100000"/>
+                <a:shade val="80000"/>
+                <a:satMod val="130000"/>
+              </a:schemeClr>
+            </a:gs>
+            <a:gs pos="100000">
+              <a:schemeClr val="bg1">
+                <a:tint val="100000"/>
+                <a:shade val="48000"/>
+                <a:satMod val="120000"/>
+              </a:schemeClr>
+            </a:gs>
+          </a:gsLst>
+          <a:lin ang="16200000" scaled="0"/>
+        </a:gradFill>
+        <a:effectLst/>
+      </p:bgPr>
+    </p:bg>
+    <p:spTree>
+      <p:nvGrpSpPr>
+        <p:cNvPr id="1" name="">
+          <a:extLst>
+            <a:ext uri="{FF2B5EF4-FFF2-40B4-BE49-F238E27FC236}">
+              <a16:creationId xmlns:a16="http://schemas.microsoft.com/office/drawing/2014/main" id="{9E36CE6B-864A-06DD-1ADD-5379583E46A4}"/>
+            </a:ext>
+          </a:extLst>
+        </p:cNvPr>
+        <p:cNvGrpSpPr/>
+        <p:nvPr/>
+      </p:nvGrpSpPr>
+      <p:grpSpPr>
+        <a:xfrm>
+          <a:off x="0" y="0"/>
+          <a:ext cx="0" cy="0"/>
+          <a:chOff x="0" y="0"/>
+          <a:chExt cx="0" cy="0"/>
+        </a:xfrm>
+      </p:grpSpPr>
+      <p:pic>
+        <p:nvPicPr>
+          <p:cNvPr id="59" name="Picture 4" descr="Pizza auf einem Tisch">
+            <a:extLst>
+              <a:ext uri="{FF2B5EF4-FFF2-40B4-BE49-F238E27FC236}">
+                <a16:creationId xmlns:a16="http://schemas.microsoft.com/office/drawing/2014/main" id="{21A89F77-77A1-3060-78D8-5B95D49ED6A2}"/>
+              </a:ext>
+            </a:extLst>
+          </p:cNvPr>
+          <p:cNvPicPr>
+            <a:picLocks noChangeAspect="1"/>
+          </p:cNvPicPr>
+          <p:nvPr/>
+        </p:nvPicPr>
+        <p:blipFill>
+          <a:blip r:embed="rId3">
+            <a:alphaModFix amt="35000"/>
+          </a:blip>
+          <a:srcRect t="28390" b="1297"/>
+          <a:stretch/>
+        </p:blipFill>
+        <p:spPr>
+          <a:xfrm>
+            <a:off x="20" y="10"/>
+            <a:ext cx="12191980" cy="6857990"/>
+          </a:xfrm>
+          <a:prstGeom prst="rect">
+            <a:avLst/>
+          </a:prstGeom>
+        </p:spPr>
+      </p:pic>
+      <p:sp>
+        <p:nvSpPr>
+          <p:cNvPr id="2" name="Titel 1">
+            <a:extLst>
+              <a:ext uri="{FF2B5EF4-FFF2-40B4-BE49-F238E27FC236}">
+                <a16:creationId xmlns:a16="http://schemas.microsoft.com/office/drawing/2014/main" id="{DE7F0FA4-238B-04F1-4FBE-FE4A423CADFE}"/>
+              </a:ext>
+            </a:extLst>
+          </p:cNvPr>
+          <p:cNvSpPr>
+            <a:spLocks noGrp="1"/>
+          </p:cNvSpPr>
+          <p:nvPr>
+            <p:ph type="ctrTitle"/>
+          </p:nvPr>
+        </p:nvSpPr>
+        <p:spPr>
+          <a:xfrm>
+            <a:off x="1097280" y="758952"/>
+            <a:ext cx="10058400" cy="3566160"/>
+          </a:xfrm>
+        </p:spPr>
+        <p:txBody>
+          <a:bodyPr>
+            <a:normAutofit/>
+          </a:bodyPr>
+          <a:lstStyle/>
+          <a:p>
+            <a:r>
+              <a:rPr lang="de-DE" dirty="0" err="1">
+                <a:solidFill>
+                  <a:srgbClr val="FFFFFF"/>
+                </a:solidFill>
+              </a:rPr>
+              <a:t>Klaszter</a:t>
+            </a:r>
+            <a:r>
+              <a:rPr lang="de-DE" dirty="0">
+                <a:solidFill>
+                  <a:srgbClr val="FFFFFF"/>
+                </a:solidFill>
+              </a:rPr>
+              <a:t> </a:t>
+            </a:r>
+            <a:r>
+              <a:rPr lang="de-DE" dirty="0" err="1">
+                <a:solidFill>
+                  <a:srgbClr val="FFFFFF"/>
+                </a:solidFill>
+              </a:rPr>
+              <a:t>Kezelő</a:t>
+            </a:r>
+            <a:endParaRPr lang="de-DE" dirty="0">
+              <a:solidFill>
+                <a:srgbClr val="FFFFFF"/>
+              </a:solidFill>
+            </a:endParaRPr>
+          </a:p>
+        </p:txBody>
+      </p:sp>
+      <p:sp>
+        <p:nvSpPr>
+          <p:cNvPr id="3" name="Untertitel 2">
+            <a:extLst>
+              <a:ext uri="{FF2B5EF4-FFF2-40B4-BE49-F238E27FC236}">
+                <a16:creationId xmlns:a16="http://schemas.microsoft.com/office/drawing/2014/main" id="{8D79FA9F-3243-A821-60D5-5D36088C3B7A}"/>
+              </a:ext>
+            </a:extLst>
+          </p:cNvPr>
+          <p:cNvSpPr>
+            <a:spLocks noGrp="1"/>
+          </p:cNvSpPr>
+          <p:nvPr>
+            <p:ph type="subTitle" idx="1"/>
+          </p:nvPr>
+        </p:nvSpPr>
+        <p:spPr>
+          <a:xfrm>
+            <a:off x="1100051" y="4246179"/>
+            <a:ext cx="10058400" cy="1965435"/>
+          </a:xfrm>
+        </p:spPr>
+        <p:txBody>
+          <a:bodyPr anchor="t">
+            <a:normAutofit/>
+          </a:bodyPr>
+          <a:lstStyle/>
+          <a:p>
+            <a:pPr>
+              <a:lnSpc>
+                <a:spcPct val="150000"/>
+              </a:lnSpc>
+            </a:pPr>
+            <a:r>
+              <a:rPr lang="de-DE" sz="3200" b="1" dirty="0">
+                <a:solidFill>
+                  <a:srgbClr val="FFFFFF"/>
+                </a:solidFill>
+              </a:rPr>
+              <a:t>„</a:t>
+            </a:r>
+            <a:r>
+              <a:rPr lang="de-DE" sz="3200" b="1" dirty="0" err="1">
+                <a:solidFill>
+                  <a:srgbClr val="FFFFFF"/>
+                </a:solidFill>
+              </a:rPr>
+              <a:t>Kibírod</a:t>
+            </a:r>
+            <a:r>
+              <a:rPr lang="de-DE" sz="3200" b="1" dirty="0">
+                <a:solidFill>
+                  <a:srgbClr val="FFFFFF"/>
+                </a:solidFill>
+              </a:rPr>
+              <a:t>, </a:t>
+            </a:r>
+            <a:r>
+              <a:rPr lang="de-DE" sz="3200" b="1" dirty="0" err="1">
+                <a:solidFill>
+                  <a:srgbClr val="FFFFFF"/>
+                </a:solidFill>
+              </a:rPr>
+              <a:t>kolega</a:t>
+            </a:r>
+            <a:r>
+              <a:rPr lang="de-DE" sz="3200" b="1" dirty="0">
+                <a:solidFill>
+                  <a:srgbClr val="FFFFFF"/>
+                </a:solidFill>
+              </a:rPr>
+              <a:t>?“ </a:t>
+            </a:r>
+            <a:r>
+              <a:rPr lang="de-DE" sz="3200" b="1" dirty="0" err="1">
+                <a:solidFill>
+                  <a:srgbClr val="FFFFFF"/>
+                </a:solidFill>
+              </a:rPr>
+              <a:t>csapat</a:t>
+            </a:r>
+            <a:r>
+              <a:rPr lang="de-DE" sz="3200" b="1" dirty="0">
+                <a:solidFill>
+                  <a:srgbClr val="FFFFFF"/>
+                </a:solidFill>
+              </a:rPr>
+              <a:t> - </a:t>
+            </a:r>
+            <a:br>
+              <a:rPr lang="de-DE" b="1" dirty="0">
+                <a:solidFill>
+                  <a:srgbClr val="FFFFFF"/>
+                </a:solidFill>
+              </a:rPr>
+            </a:br>
+            <a:r>
+              <a:rPr lang="de-DE" dirty="0" err="1">
+                <a:solidFill>
+                  <a:srgbClr val="FFFFFF"/>
+                </a:solidFill>
+              </a:rPr>
+              <a:t>Géczi</a:t>
+            </a:r>
+            <a:r>
+              <a:rPr lang="de-DE" dirty="0">
+                <a:solidFill>
+                  <a:srgbClr val="FFFFFF"/>
+                </a:solidFill>
+              </a:rPr>
+              <a:t> </a:t>
+            </a:r>
+            <a:r>
+              <a:rPr lang="de-DE" dirty="0" err="1">
+                <a:solidFill>
+                  <a:srgbClr val="FFFFFF"/>
+                </a:solidFill>
+              </a:rPr>
+              <a:t>Kornél</a:t>
+            </a:r>
+            <a:r>
+              <a:rPr lang="de-DE" dirty="0">
+                <a:solidFill>
+                  <a:srgbClr val="FFFFFF"/>
+                </a:solidFill>
+              </a:rPr>
+              <a:t>, </a:t>
+            </a:r>
+            <a:r>
+              <a:rPr lang="de-DE" dirty="0" err="1">
+                <a:solidFill>
+                  <a:srgbClr val="FFFFFF"/>
+                </a:solidFill>
+              </a:rPr>
+              <a:t>Györfi</a:t>
+            </a:r>
+            <a:r>
+              <a:rPr lang="de-DE" dirty="0">
+                <a:solidFill>
+                  <a:srgbClr val="FFFFFF"/>
+                </a:solidFill>
+              </a:rPr>
+              <a:t> Marcell, Pálóczi </a:t>
+            </a:r>
+            <a:r>
+              <a:rPr lang="de-DE" dirty="0" err="1">
+                <a:solidFill>
+                  <a:srgbClr val="FFFFFF"/>
+                </a:solidFill>
+              </a:rPr>
+              <a:t>imre</a:t>
+            </a:r>
+            <a:endParaRPr lang="de-DE" dirty="0">
+              <a:solidFill>
+                <a:srgbClr val="FFFFFF"/>
+              </a:solidFill>
+            </a:endParaRPr>
+          </a:p>
+        </p:txBody>
+      </p:sp>
+      <p:cxnSp>
+        <p:nvCxnSpPr>
+          <p:cNvPr id="64" name="Straight Connector 63">
+            <a:extLst>
+              <a:ext uri="{FF2B5EF4-FFF2-40B4-BE49-F238E27FC236}">
+                <a16:creationId xmlns:a16="http://schemas.microsoft.com/office/drawing/2014/main" id="{C92C7639-53F4-6EDA-CFA8-37F064EE3376}"/>
+              </a:ext>
+              <a:ext uri="{C183D7F6-B498-43B3-948B-1728B52AA6E4}">
+                <adec:decorative xmlns:adec="http://schemas.microsoft.com/office/drawing/2017/decorative" val="1"/>
+              </a:ext>
+            </a:extLst>
+          </p:cNvPr>
+          <p:cNvCxnSpPr>
+            <a:cxnSpLocks noGrp="1" noRot="1" noChangeAspect="1" noMove="1" noResize="1" noEditPoints="1" noAdjustHandles="1" noChangeArrowheads="1" noChangeShapeType="1"/>
+          </p:cNvCxnSpPr>
+          <p:nvPr>
+            <p:extLst>
+              <p:ext uri="{386F3935-93C4-4BCD-93E2-E3B085C9AB24}">
+                <p16:designElem xmlns:p16="http://schemas.microsoft.com/office/powerpoint/2015/main" val="1"/>
+              </p:ext>
+            </p:extLst>
+          </p:nvPr>
+        </p:nvCxnSpPr>
+        <p:spPr>
+          <a:xfrm>
+            <a:off x="1207658" y="4343400"/>
+            <a:ext cx="9875520" cy="0"/>
+          </a:xfrm>
+          <a:prstGeom prst="line">
+            <a:avLst/>
+          </a:prstGeom>
+          <a:ln w="6350">
+            <a:solidFill>
+              <a:schemeClr val="tx1">
+                <a:alpha val="80000"/>
+              </a:schemeClr>
+            </a:solidFill>
+          </a:ln>
+        </p:spPr>
+        <p:style>
+          <a:lnRef idx="1">
+            <a:schemeClr val="accent1"/>
+          </a:lnRef>
+          <a:fillRef idx="0">
+            <a:schemeClr val="accent1"/>
+          </a:fillRef>
+          <a:effectRef idx="0">
+            <a:schemeClr val="accent1"/>
+          </a:effectRef>
+          <a:fontRef idx="minor">
+            <a:schemeClr val="tx1"/>
+          </a:fontRef>
+        </p:style>
+      </p:cxnSp>
+      <p:sp>
+        <p:nvSpPr>
+          <p:cNvPr id="66" name="Rectangle 65">
+            <a:extLst>
+              <a:ext uri="{FF2B5EF4-FFF2-40B4-BE49-F238E27FC236}">
+                <a16:creationId xmlns:a16="http://schemas.microsoft.com/office/drawing/2014/main" id="{3D04FB57-861A-65D6-7475-F2E4B98D0EFB}"/>
+              </a:ext>
+              <a:ext uri="{C183D7F6-B498-43B3-948B-1728B52AA6E4}">
+                <adec:decorative xmlns:adec="http://schemas.microsoft.com/office/drawing/2017/decorative" val="1"/>
+              </a:ext>
+            </a:extLst>
+          </p:cNvPr>
+          <p:cNvSpPr>
+            <a:spLocks noGrp="1" noRot="1" noChangeAspect="1" noMove="1" noResize="1" noEditPoints="1" noAdjustHandles="1" noChangeArrowheads="1" noChangeShapeType="1" noTextEdit="1"/>
+          </p:cNvSpPr>
+          <p:nvPr>
+            <p:extLst>
+              <p:ext uri="{386F3935-93C4-4BCD-93E2-E3B085C9AB24}">
+                <p16:designElem xmlns:p16="http://schemas.microsoft.com/office/powerpoint/2015/main" val="1"/>
+              </p:ext>
+            </p:extLst>
+          </p:nvPr>
+        </p:nvSpPr>
+        <p:spPr>
+          <a:xfrm>
+            <a:off x="15" y="6334316"/>
+            <a:ext cx="12191985" cy="66484"/>
+          </a:xfrm>
+          <a:prstGeom prst="rect">
+            <a:avLst/>
+          </a:prstGeom>
+          <a:solidFill>
+            <a:schemeClr val="accent1"/>
+          </a:solidFill>
+          <a:ln>
+            <a:noFill/>
+          </a:ln>
+        </p:spPr>
+        <p:style>
+          <a:lnRef idx="2">
+            <a:schemeClr val="accent1">
+              <a:shade val="50000"/>
+            </a:schemeClr>
+          </a:lnRef>
+          <a:fillRef idx="1">
+            <a:schemeClr val="accent1"/>
+          </a:fillRef>
+          <a:effectRef idx="0">
+            <a:schemeClr val="accent1"/>
+          </a:effectRef>
+          <a:fontRef idx="minor">
+            <a:schemeClr val="lt1"/>
+          </a:fontRef>
+        </p:style>
+        <p:txBody>
+          <a:bodyPr/>
+          <a:lstStyle/>
+          <a:p>
+            <a:endParaRPr lang="de-DE"/>
+          </a:p>
+        </p:txBody>
+      </p:sp>
+      <p:sp>
+        <p:nvSpPr>
+          <p:cNvPr id="68" name="Rectangle 67">
+            <a:extLst>
+              <a:ext uri="{FF2B5EF4-FFF2-40B4-BE49-F238E27FC236}">
+                <a16:creationId xmlns:a16="http://schemas.microsoft.com/office/drawing/2014/main" id="{06871E42-A38D-BC7E-ED99-FF72962B89BF}"/>
+              </a:ext>
+              <a:ext uri="{C183D7F6-B498-43B3-948B-1728B52AA6E4}">
+                <adec:decorative xmlns:adec="http://schemas.microsoft.com/office/drawing/2017/decorative" val="1"/>
+              </a:ext>
+            </a:extLst>
+          </p:cNvPr>
+          <p:cNvSpPr>
+            <a:spLocks noGrp="1" noRot="1" noChangeAspect="1" noMove="1" noResize="1" noEditPoints="1" noAdjustHandles="1" noChangeArrowheads="1" noChangeShapeType="1" noTextEdit="1"/>
+          </p:cNvSpPr>
+          <p:nvPr>
+            <p:extLst>
+              <p:ext uri="{386F3935-93C4-4BCD-93E2-E3B085C9AB24}">
+                <p16:designElem xmlns:p16="http://schemas.microsoft.com/office/powerpoint/2015/main" val="1"/>
+              </p:ext>
+            </p:extLst>
+          </p:nvPr>
+        </p:nvSpPr>
+        <p:spPr>
+          <a:xfrm>
+            <a:off x="1" y="6400800"/>
+            <a:ext cx="12192000" cy="457200"/>
+          </a:xfrm>
+          <a:prstGeom prst="rect">
+            <a:avLst/>
+          </a:prstGeom>
+          <a:solidFill>
+            <a:schemeClr val="accent2"/>
+          </a:solidFill>
+          <a:ln>
+            <a:noFill/>
+          </a:ln>
+        </p:spPr>
+        <p:style>
+          <a:lnRef idx="2">
+            <a:schemeClr val="accent1">
+              <a:shade val="50000"/>
+            </a:schemeClr>
+          </a:lnRef>
+          <a:fillRef idx="1">
+            <a:schemeClr val="accent1"/>
+          </a:fillRef>
+          <a:effectRef idx="0">
+            <a:schemeClr val="accent1"/>
+          </a:effectRef>
+          <a:fontRef idx="minor">
+            <a:schemeClr val="lt1"/>
+          </a:fontRef>
+        </p:style>
+        <p:txBody>
+          <a:bodyPr/>
+          <a:lstStyle/>
+          <a:p>
+            <a:endParaRPr lang="de-DE"/>
+          </a:p>
+        </p:txBody>
+      </p:sp>
+      <p:sp>
+        <p:nvSpPr>
+          <p:cNvPr id="4" name="Textfeld 3">
+            <a:extLst>
+              <a:ext uri="{FF2B5EF4-FFF2-40B4-BE49-F238E27FC236}">
+                <a16:creationId xmlns:a16="http://schemas.microsoft.com/office/drawing/2014/main" id="{92DD57AF-52FD-2DF1-A735-22DA28F4FAD5}"/>
+              </a:ext>
+            </a:extLst>
+          </p:cNvPr>
+          <p:cNvSpPr txBox="1"/>
+          <p:nvPr/>
+        </p:nvSpPr>
+        <p:spPr>
+          <a:xfrm>
+            <a:off x="1097279" y="389620"/>
+            <a:ext cx="6379779" cy="369332"/>
+          </a:xfrm>
+          <a:prstGeom prst="rect">
+            <a:avLst/>
+          </a:prstGeom>
+          <a:noFill/>
+        </p:spPr>
+        <p:txBody>
+          <a:bodyPr wrap="square" rtlCol="0">
+            <a:spAutoFit/>
+          </a:bodyPr>
+          <a:lstStyle/>
+          <a:p>
+            <a:r>
+              <a:rPr lang="de-DE" dirty="0" err="1">
+                <a:solidFill>
+                  <a:srgbClr val="FFFFFF"/>
+                </a:solidFill>
+              </a:rPr>
+              <a:t>Dusza</a:t>
+            </a:r>
+            <a:r>
+              <a:rPr lang="de-DE" dirty="0">
+                <a:solidFill>
+                  <a:srgbClr val="FFFFFF"/>
+                </a:solidFill>
+              </a:rPr>
+              <a:t> Árpád </a:t>
+            </a:r>
+            <a:r>
+              <a:rPr lang="de-DE" dirty="0" err="1">
+                <a:solidFill>
+                  <a:srgbClr val="FFFFFF"/>
+                </a:solidFill>
+              </a:rPr>
+              <a:t>Országos</a:t>
+            </a:r>
+            <a:r>
+              <a:rPr lang="de-DE" dirty="0">
+                <a:solidFill>
+                  <a:srgbClr val="FFFFFF"/>
+                </a:solidFill>
+              </a:rPr>
+              <a:t> </a:t>
+            </a:r>
+            <a:r>
+              <a:rPr lang="de-DE" dirty="0" err="1">
+                <a:solidFill>
+                  <a:srgbClr val="FFFFFF"/>
+                </a:solidFill>
+              </a:rPr>
+              <a:t>Programozói</a:t>
+            </a:r>
+            <a:r>
+              <a:rPr lang="de-DE" dirty="0">
+                <a:solidFill>
+                  <a:srgbClr val="FFFFFF"/>
+                </a:solidFill>
+              </a:rPr>
+              <a:t> </a:t>
+            </a:r>
+            <a:r>
+              <a:rPr lang="de-DE" dirty="0" err="1">
+                <a:solidFill>
+                  <a:srgbClr val="FFFFFF"/>
+                </a:solidFill>
+              </a:rPr>
+              <a:t>Emlékverseny</a:t>
+            </a:r>
+            <a:r>
+              <a:rPr lang="de-DE" dirty="0">
+                <a:solidFill>
+                  <a:srgbClr val="FFFFFF"/>
+                </a:solidFill>
+              </a:rPr>
+              <a:t> 2025</a:t>
+            </a:r>
+            <a:endParaRPr lang="de-DE" dirty="0"/>
+          </a:p>
+        </p:txBody>
+      </p:sp>
+    </p:spTree>
+    <p:extLst>
+      <p:ext uri="{BB962C8B-B14F-4D97-AF65-F5344CB8AC3E}">
+        <p14:creationId xmlns:p14="http://schemas.microsoft.com/office/powerpoint/2010/main" val="3816376228"/>
+      </p:ext>
+    </p:extLst>
+  </p:cSld>
+  <p:clrMapOvr>
+    <a:overrideClrMapping bg1="dk1" tx1="lt1" bg2="dk2" tx2="lt2" accent1="accent1" accent2="accent2" accent3="accent3" accent4="accent4" accent5="accent5" accent6="accent6" hlink="hlink" folHlink="folHlink"/>
+  </p:clrMapOvr>
+</p:sld>
+</file>
+
+<file path=ppt/slides/slide3.xml><?xml version="1.0" encoding="utf-8"?>
 <p:sld xmlns:a="http://schemas.openxmlformats.org/drawingml/2006/main" xmlns:r="http://schemas.openxmlformats.org/officeDocument/2006/relationships" xmlns:p="http://schemas.openxmlformats.org/presentationml/2006/main">
   <p:cSld>
     <p:bg>
@@ -25679,7 +26485,7 @@
 </p:sld>
 </file>
 
-<file path=ppt/slides/slide3.xml><?xml version="1.0" encoding="utf-8"?>
+<file path=ppt/slides/slide4.xml><?xml version="1.0" encoding="utf-8"?>
 <p:sld xmlns:a="http://schemas.openxmlformats.org/drawingml/2006/main" xmlns:r="http://schemas.openxmlformats.org/officeDocument/2006/relationships" xmlns:p="http://schemas.openxmlformats.org/presentationml/2006/main">
   <p:cSld>
     <p:spTree>
@@ -25839,13 +26645,13 @@
   <p:clrMapOvr>
     <a:masterClrMapping/>
   </p:clrMapOvr>
-  <mc:AlternateContent xmlns:mc="http://schemas.openxmlformats.org/markup-compatibility/2006">
-    <mc:Choice xmlns:p159="http://schemas.microsoft.com/office/powerpoint/2015/09/main" Requires="p159">
+  <mc:AlternateContent xmlns:mc="http://schemas.openxmlformats.org/markup-compatibility/2006" xmlns:p159="http://schemas.microsoft.com/office/powerpoint/2015/09/main">
+    <mc:Choice Requires="p159">
       <p:transition spd="slow">
         <p159:morph option="byObject"/>
       </p:transition>
     </mc:Choice>
-    <mc:Fallback>
+    <mc:Fallback xmlns="">
       <p:transition spd="slow">
         <p:fade/>
       </p:transition>
@@ -25854,7 +26660,7 @@
 </p:sld>
 </file>
 
-<file path=ppt/slides/slide4.xml><?xml version="1.0" encoding="utf-8"?>
+<file path=ppt/slides/slide5.xml><?xml version="1.0" encoding="utf-8"?>
 <p:sld xmlns:a="http://schemas.openxmlformats.org/drawingml/2006/main" xmlns:r="http://schemas.openxmlformats.org/officeDocument/2006/relationships" xmlns:p="http://schemas.openxmlformats.org/presentationml/2006/main">
   <p:cSld>
     <p:spTree>
@@ -26014,13 +26820,13 @@
   <p:clrMapOvr>
     <a:masterClrMapping/>
   </p:clrMapOvr>
-  <mc:AlternateContent xmlns:mc="http://schemas.openxmlformats.org/markup-compatibility/2006">
-    <mc:Choice xmlns:p159="http://schemas.microsoft.com/office/powerpoint/2015/09/main" Requires="p159">
+  <mc:AlternateContent xmlns:mc="http://schemas.openxmlformats.org/markup-compatibility/2006" xmlns:p159="http://schemas.microsoft.com/office/powerpoint/2015/09/main">
+    <mc:Choice Requires="p159">
       <p:transition spd="slow">
         <p159:morph option="byObject"/>
       </p:transition>
     </mc:Choice>
-    <mc:Fallback>
+    <mc:Fallback xmlns="">
       <p:transition spd="slow">
         <p:fade/>
       </p:transition>
@@ -26029,7 +26835,7 @@
 </p:sld>
 </file>
 
-<file path=ppt/slides/slide5.xml><?xml version="1.0" encoding="utf-8"?>
+<file path=ppt/slides/slide6.xml><?xml version="1.0" encoding="utf-8"?>
 <p:sld xmlns:a="http://schemas.openxmlformats.org/drawingml/2006/main" xmlns:r="http://schemas.openxmlformats.org/officeDocument/2006/relationships" xmlns:p="http://schemas.openxmlformats.org/presentationml/2006/main">
   <p:cSld>
     <p:spTree>
@@ -26189,13 +26995,13 @@
   <p:clrMapOvr>
     <a:masterClrMapping/>
   </p:clrMapOvr>
-  <mc:AlternateContent xmlns:mc="http://schemas.openxmlformats.org/markup-compatibility/2006">
-    <mc:Choice xmlns:p159="http://schemas.microsoft.com/office/powerpoint/2015/09/main" Requires="p159">
+  <mc:AlternateContent xmlns:mc="http://schemas.openxmlformats.org/markup-compatibility/2006" xmlns:p159="http://schemas.microsoft.com/office/powerpoint/2015/09/main">
+    <mc:Choice Requires="p159">
       <p:transition spd="slow">
         <p159:morph option="byObject"/>
       </p:transition>
     </mc:Choice>
-    <mc:Fallback>
+    <mc:Fallback xmlns="">
       <p:transition spd="slow">
         <p:fade/>
       </p:transition>
@@ -26204,7 +27010,7 @@
 </p:sld>
 </file>
 
-<file path=ppt/slides/slide6.xml><?xml version="1.0" encoding="utf-8"?>
+<file path=ppt/slides/slide7.xml><?xml version="1.0" encoding="utf-8"?>
 <p:sld xmlns:a="http://schemas.openxmlformats.org/drawingml/2006/main" xmlns:r="http://schemas.openxmlformats.org/officeDocument/2006/relationships" xmlns:p="http://schemas.openxmlformats.org/presentationml/2006/main">
   <p:cSld>
     <p:bg>
@@ -27082,7 +27888,7 @@
 </p:sld>
 </file>
 
-<file path=ppt/slides/slide7.xml><?xml version="1.0" encoding="utf-8"?>
+<file path=ppt/slides/slide8.xml><?xml version="1.0" encoding="utf-8"?>
 <p:sld xmlns:a="http://schemas.openxmlformats.org/drawingml/2006/main" xmlns:r="http://schemas.openxmlformats.org/officeDocument/2006/relationships" xmlns:p="http://schemas.openxmlformats.org/presentationml/2006/main">
   <p:cSld>
     <p:bg>
@@ -27616,7 +28422,7 @@
 </p:sld>
 </file>
 
-<file path=ppt/slides/slide8.xml><?xml version="1.0" encoding="utf-8"?>
+<file path=ppt/slides/slide9.xml><?xml version="1.0" encoding="utf-8"?>
 <p:sld xmlns:a="http://schemas.openxmlformats.org/drawingml/2006/main" xmlns:r="http://schemas.openxmlformats.org/officeDocument/2006/relationships" xmlns:p="http://schemas.openxmlformats.org/presentationml/2006/main">
   <p:cSld>
     <p:bg>
@@ -27998,111 +28804,6 @@
     <p:extLst>
       <p:ext uri="{BB962C8B-B14F-4D97-AF65-F5344CB8AC3E}">
         <p14:creationId xmlns:p14="http://schemas.microsoft.com/office/powerpoint/2010/main" val="759924096"/>
-      </p:ext>
-    </p:extLst>
-  </p:cSld>
-  <p:clrMapOvr>
-    <a:masterClrMapping/>
-  </p:clrMapOvr>
-</p:sld>
-</file>
-
-<file path=ppt/slides/slide9.xml><?xml version="1.0" encoding="utf-8"?>
-<p:sld xmlns:a="http://schemas.openxmlformats.org/drawingml/2006/main" xmlns:r="http://schemas.openxmlformats.org/officeDocument/2006/relationships" xmlns:p="http://schemas.openxmlformats.org/presentationml/2006/main">
-  <p:cSld>
-    <p:bg>
-      <p:bgPr>
-        <a:solidFill>
-          <a:schemeClr val="bg1"/>
-        </a:solidFill>
-        <a:effectLst/>
-      </p:bgPr>
-    </p:bg>
-    <p:spTree>
-      <p:nvGrpSpPr>
-        <p:cNvPr id="1" name=""/>
-        <p:cNvGrpSpPr/>
-        <p:nvPr/>
-      </p:nvGrpSpPr>
-      <p:grpSpPr>
-        <a:xfrm>
-          <a:off x="0" y="0"/>
-          <a:ext cx="0" cy="0"/>
-          <a:chOff x="0" y="0"/>
-          <a:chExt cx="0" cy="0"/>
-        </a:xfrm>
-      </p:grpSpPr>
-      <p:sp>
-        <p:nvSpPr>
-          <p:cNvPr id="2" name="Titel 1">
-            <a:extLst>
-              <a:ext uri="{FF2B5EF4-FFF2-40B4-BE49-F238E27FC236}">
-                <a16:creationId xmlns:a16="http://schemas.microsoft.com/office/drawing/2014/main" id="{6E9E7F25-1C4E-2950-BC6A-18BB6FB80871}"/>
-              </a:ext>
-            </a:extLst>
-          </p:cNvPr>
-          <p:cNvSpPr>
-            <a:spLocks noGrp="1"/>
-          </p:cNvSpPr>
-          <p:nvPr>
-            <p:ph type="title"/>
-          </p:nvPr>
-        </p:nvSpPr>
-        <p:spPr>
-          <a:xfrm>
-            <a:off x="1097280" y="286603"/>
-            <a:ext cx="10058400" cy="1450757"/>
-          </a:xfrm>
-        </p:spPr>
-        <p:txBody>
-          <a:bodyPr>
-            <a:normAutofit/>
-          </a:bodyPr>
-          <a:lstStyle/>
-          <a:p>
-            <a:r>
-              <a:rPr lang="hu-HU" dirty="0"/>
-              <a:t>Feladatkörök – Géczi Kornél</a:t>
-            </a:r>
-            <a:endParaRPr lang="de-DE" dirty="0"/>
-          </a:p>
-        </p:txBody>
-      </p:sp>
-      <p:graphicFrame>
-        <p:nvGraphicFramePr>
-          <p:cNvPr id="6" name="Inhaltsplatzhalter 2">
-            <a:extLst>
-              <a:ext uri="{FF2B5EF4-FFF2-40B4-BE49-F238E27FC236}">
-                <a16:creationId xmlns:a16="http://schemas.microsoft.com/office/drawing/2014/main" id="{415AFB33-AAFB-27BE-0CF1-589E80F6BBC8}"/>
-              </a:ext>
-            </a:extLst>
-          </p:cNvPr>
-          <p:cNvGraphicFramePr>
-            <a:graphicFrameLocks noGrp="1"/>
-          </p:cNvGraphicFramePr>
-          <p:nvPr>
-            <p:ph idx="1"/>
-            <p:extLst>
-              <p:ext uri="{D42A27DB-BD31-4B8C-83A1-F6EECF244321}">
-                <p14:modId xmlns:p14="http://schemas.microsoft.com/office/powerpoint/2010/main" val="1599314602"/>
-              </p:ext>
-            </p:extLst>
-          </p:nvPr>
-        </p:nvGraphicFramePr>
-        <p:xfrm>
-          <a:off x="1096963" y="2098515"/>
-          <a:ext cx="10058400" cy="3786080"/>
-        </p:xfrm>
-        <a:graphic>
-          <a:graphicData uri="http://schemas.openxmlformats.org/drawingml/2006/diagram">
-            <dgm:relIds xmlns:dgm="http://schemas.openxmlformats.org/drawingml/2006/diagram" xmlns:r="http://schemas.openxmlformats.org/officeDocument/2006/relationships" r:dm="rId2" r:lo="rId3" r:qs="rId4" r:cs="rId5"/>
-          </a:graphicData>
-        </a:graphic>
-      </p:graphicFrame>
-    </p:spTree>
-    <p:extLst>
-      <p:ext uri="{BB962C8B-B14F-4D97-AF65-F5344CB8AC3E}">
-        <p14:creationId xmlns:p14="http://schemas.microsoft.com/office/powerpoint/2010/main" val="3459711394"/>
       </p:ext>
     </p:extLst>
   </p:cSld>
